--- a/MainWindow_Manual.pptx
+++ b/MainWindow_Manual.pptx
@@ -199,7 +199,7 @@
           <a:p>
             <a:fld id="{8ECD4658-FC5F-4C4A-9C84-93B50C1C7551}" type="datetimeFigureOut">
               <a:rPr kumimoji="1" lang="ko-Kore-KR" altLang="en-US" smtClean="0"/>
-              <a:t>04/25/2023</a:t>
+              <a:t>04/28/2023</a:t>
             </a:fld>
             <a:endParaRPr kumimoji="1" lang="ko-Kore-KR" altLang="en-US"/>
           </a:p>
@@ -5113,6 +5113,117 @@
               <a:t>TCP</a:t>
             </a:r>
             <a:endParaRPr lang="ko-KR" altLang="en-US" sz="2400" b="1"/>
+          </a:p>
+        </p:txBody>
+      </p:sp>
+      <p:sp>
+        <p:nvSpPr>
+          <p:cNvPr id="3" name="TextBox 2">
+            <a:extLst>
+              <a:ext uri="{FF2B5EF4-FFF2-40B4-BE49-F238E27FC236}">
+                <a16:creationId xmlns:a16="http://schemas.microsoft.com/office/drawing/2014/main" id="{71DE784C-159D-FAC4-D517-54C1CFC1165F}"/>
+              </a:ext>
+            </a:extLst>
+          </p:cNvPr>
+          <p:cNvSpPr txBox="1"/>
+          <p:nvPr/>
+        </p:nvSpPr>
+        <p:spPr>
+          <a:xfrm>
+            <a:off x="4407108" y="1971816"/>
+            <a:ext cx="1109272" cy="369332"/>
+          </a:xfrm>
+          <a:prstGeom prst="rect">
+            <a:avLst/>
+          </a:prstGeom>
+          <a:noFill/>
+        </p:spPr>
+        <p:txBody>
+          <a:bodyPr wrap="square">
+            <a:spAutoFit/>
+          </a:bodyPr>
+          <a:lstStyle/>
+          <a:p>
+            <a:pPr algn="ctr"/>
+            <a:r>
+              <a:rPr lang="en-US" altLang="ko-KR"/>
+              <a:t>PORT:A</a:t>
+            </a:r>
+            <a:endParaRPr lang="ko-KR" altLang="en-US"/>
+          </a:p>
+        </p:txBody>
+      </p:sp>
+      <p:sp>
+        <p:nvSpPr>
+          <p:cNvPr id="19" name="TextBox 18">
+            <a:extLst>
+              <a:ext uri="{FF2B5EF4-FFF2-40B4-BE49-F238E27FC236}">
+                <a16:creationId xmlns:a16="http://schemas.microsoft.com/office/drawing/2014/main" id="{15C52419-D98D-9D1A-B09A-E62C5C713381}"/>
+              </a:ext>
+            </a:extLst>
+          </p:cNvPr>
+          <p:cNvSpPr txBox="1"/>
+          <p:nvPr/>
+        </p:nvSpPr>
+        <p:spPr>
+          <a:xfrm>
+            <a:off x="4407108" y="3439160"/>
+            <a:ext cx="1109272" cy="369332"/>
+          </a:xfrm>
+          <a:prstGeom prst="rect">
+            <a:avLst/>
+          </a:prstGeom>
+          <a:noFill/>
+        </p:spPr>
+        <p:txBody>
+          <a:bodyPr wrap="square">
+            <a:spAutoFit/>
+          </a:bodyPr>
+          <a:lstStyle/>
+          <a:p>
+            <a:pPr algn="ctr"/>
+            <a:r>
+              <a:rPr lang="en-US" altLang="ko-KR"/>
+              <a:t>PORT:B</a:t>
+            </a:r>
+            <a:endParaRPr lang="ko-KR" altLang="en-US"/>
+          </a:p>
+        </p:txBody>
+      </p:sp>
+      <p:sp>
+        <p:nvSpPr>
+          <p:cNvPr id="20" name="TextBox 19">
+            <a:extLst>
+              <a:ext uri="{FF2B5EF4-FFF2-40B4-BE49-F238E27FC236}">
+                <a16:creationId xmlns:a16="http://schemas.microsoft.com/office/drawing/2014/main" id="{CDF2CCC6-D965-098D-E610-A4133810A591}"/>
+              </a:ext>
+            </a:extLst>
+          </p:cNvPr>
+          <p:cNvSpPr txBox="1"/>
+          <p:nvPr/>
+        </p:nvSpPr>
+        <p:spPr>
+          <a:xfrm>
+            <a:off x="4407108" y="5003795"/>
+            <a:ext cx="1109272" cy="369332"/>
+          </a:xfrm>
+          <a:prstGeom prst="rect">
+            <a:avLst/>
+          </a:prstGeom>
+          <a:noFill/>
+        </p:spPr>
+        <p:txBody>
+          <a:bodyPr wrap="square">
+            <a:spAutoFit/>
+          </a:bodyPr>
+          <a:lstStyle/>
+          <a:p>
+            <a:pPr algn="ctr"/>
+            <a:r>
+              <a:rPr lang="en-US" altLang="ko-KR"/>
+              <a:t>PORT:C</a:t>
+            </a:r>
+            <a:endParaRPr lang="ko-KR" altLang="en-US"/>
           </a:p>
         </p:txBody>
       </p:sp>
